--- a/杂项.AT/其它/TFS代码统计工具介绍.pptx
+++ b/杂项.AT/其它/TFS代码统计工具介绍.pptx
@@ -5,19 +5,18 @@
     <p:sldMasterId id="2147483648" r:id="rId1"/>
   </p:sldMasterIdLst>
   <p:notesMasterIdLst>
-    <p:notesMasterId r:id="rId12"/>
+    <p:notesMasterId r:id="rId11"/>
   </p:notesMasterIdLst>
   <p:sldIdLst>
     <p:sldId id="256" r:id="rId2"/>
     <p:sldId id="374" r:id="rId3"/>
     <p:sldId id="379" r:id="rId4"/>
     <p:sldId id="384" r:id="rId5"/>
-    <p:sldId id="385" r:id="rId6"/>
-    <p:sldId id="386" r:id="rId7"/>
-    <p:sldId id="383" r:id="rId8"/>
-    <p:sldId id="387" r:id="rId9"/>
-    <p:sldId id="388" r:id="rId10"/>
-    <p:sldId id="260" r:id="rId11"/>
+    <p:sldId id="386" r:id="rId6"/>
+    <p:sldId id="383" r:id="rId7"/>
+    <p:sldId id="387" r:id="rId8"/>
+    <p:sldId id="388" r:id="rId9"/>
+    <p:sldId id="260" r:id="rId10"/>
   </p:sldIdLst>
   <p:sldSz cx="9144000" cy="6858000" type="screen4x3"/>
   <p:notesSz cx="6858000" cy="9947275"/>
@@ -239,7 +238,7 @@
           <a:p>
             <a:fld id="{D1C73A98-7889-4D1C-B292-8750778D83E6}" type="datetimeFigureOut">
               <a:rPr lang="zh-CN" altLang="en-US" smtClean="0"/>
-              <a:t>2019/9/29</a:t>
+              <a:t>2019/10/30</a:t>
             </a:fld>
             <a:endParaRPr lang="zh-CN" altLang="en-US"/>
           </a:p>
@@ -3485,82 +3484,6 @@
 </p:sld>
 </file>
 
-<file path=ppt/slides/slide10.xml><?xml version="1.0" encoding="utf-8"?>
-<p:sld xmlns:a="http://schemas.openxmlformats.org/drawingml/2006/main" xmlns:r="http://schemas.openxmlformats.org/officeDocument/2006/relationships" xmlns:p="http://schemas.openxmlformats.org/presentationml/2006/main">
-  <p:cSld>
-    <p:spTree>
-      <p:nvGrpSpPr>
-        <p:cNvPr id="1" name=""/>
-        <p:cNvGrpSpPr/>
-        <p:nvPr/>
-      </p:nvGrpSpPr>
-      <p:grpSpPr>
-        <a:xfrm>
-          <a:off x="0" y="0"/>
-          <a:ext cx="0" cy="0"/>
-          <a:chOff x="0" y="0"/>
-          <a:chExt cx="0" cy="0"/>
-        </a:xfrm>
-      </p:grpSpPr>
-      <p:sp>
-        <p:nvSpPr>
-          <p:cNvPr id="2" name="标题 1"/>
-          <p:cNvSpPr>
-            <a:spLocks noGrp="1"/>
-          </p:cNvSpPr>
-          <p:nvPr>
-            <p:ph type="title"/>
-          </p:nvPr>
-        </p:nvSpPr>
-        <p:spPr>
-          <a:xfrm>
-            <a:off x="1043608" y="2780928"/>
-            <a:ext cx="7200800" cy="1656184"/>
-          </a:xfrm>
-        </p:spPr>
-        <p:txBody>
-          <a:bodyPr/>
-          <a:lstStyle/>
-          <a:p>
-            <a:r>
-              <a:rPr lang="zh-CN" altLang="en-US" sz="2400" dirty="0"/>
-              <a:t>用自动化改进人们的工作、生活和环境</a:t>
-            </a:r>
-            <a:r>
-              <a:rPr lang="en-US" altLang="zh-CN" sz="2400" dirty="0"/>
-              <a:t/>
-            </a:r>
-            <a:br>
-              <a:rPr lang="en-US" altLang="zh-CN" sz="2400" dirty="0"/>
-            </a:br>
-            <a:r>
-              <a:rPr lang="en-US" altLang="zh-CN" sz="2400" dirty="0"/>
-              <a:t>Automation for Better Life</a:t>
-            </a:r>
-            <a:endParaRPr lang="zh-CN" altLang="en-US" sz="2400" dirty="0"/>
-          </a:p>
-        </p:txBody>
-      </p:sp>
-    </p:spTree>
-    <p:extLst>
-      <p:ext uri="{BB962C8B-B14F-4D97-AF65-F5344CB8AC3E}">
-        <p14:creationId xmlns:p14="http://schemas.microsoft.com/office/powerpoint/2010/main" val="2055349500"/>
-      </p:ext>
-    </p:extLst>
-  </p:cSld>
-  <p:clrMapOvr>
-    <a:masterClrMapping/>
-  </p:clrMapOvr>
-  <p:timing>
-    <p:tnLst>
-      <p:par>
-        <p:cTn id="1" dur="indefinite" restart="never" nodeType="tmRoot"/>
-      </p:par>
-    </p:tnLst>
-  </p:timing>
-</p:sld>
-</file>
-
 <file path=ppt/slides/slide2.xml><?xml version="1.0" encoding="utf-8"?>
 <p:sld xmlns:a="http://schemas.openxmlformats.org/drawingml/2006/main" xmlns:r="http://schemas.openxmlformats.org/officeDocument/2006/relationships" xmlns:p="http://schemas.openxmlformats.org/presentationml/2006/main">
   <p:cSld>
@@ -3660,13 +3583,16 @@
                   <a:srgbClr val="FF0000"/>
                 </a:solidFill>
               </a:rPr>
-              <a:t>无需安装</a:t>
-            </a:r>
-            <a:endParaRPr lang="en-US" altLang="zh-CN" b="1" dirty="0" smtClean="0">
-              <a:solidFill>
-                <a:srgbClr val="FF0000"/>
-              </a:solidFill>
-            </a:endParaRPr>
+              <a:t>安装包 </a:t>
+            </a:r>
+            <a:r>
+              <a:rPr lang="en-US" altLang="zh-CN" b="1" dirty="0" smtClean="0">
+                <a:solidFill>
+                  <a:srgbClr val="FF0000"/>
+                </a:solidFill>
+              </a:rPr>
+              <a:t>TFSCodeCounter.msi</a:t>
+            </a:r>
           </a:p>
           <a:p>
             <a:pPr marL="0" indent="0">
@@ -3680,7 +3606,7 @@
             </a:pPr>
             <a:r>
               <a:rPr lang="zh-CN" altLang="en-US" dirty="0" smtClean="0"/>
-              <a:t>当前未制作安装包，为绿色软件</a:t>
+              <a:t>安装完成后，会在桌面和开始菜单有对应快捷方式</a:t>
             </a:r>
             <a:endParaRPr lang="en-US" altLang="zh-CN" dirty="0" smtClean="0"/>
           </a:p>
@@ -3688,32 +3614,12 @@
             <a:pPr marL="0" indent="0">
               <a:buNone/>
             </a:pPr>
-            <a:endParaRPr lang="en-US" altLang="zh-CN" dirty="0"/>
+            <a:endParaRPr lang="en-US" altLang="zh-CN" dirty="0" smtClean="0"/>
           </a:p>
           <a:p>
             <a:pPr marL="0" indent="0">
               <a:buNone/>
             </a:pPr>
-            <a:r>
-              <a:rPr lang="zh-CN" altLang="en-US" dirty="0" smtClean="0"/>
-              <a:t>只需</a:t>
-            </a:r>
-            <a:r>
-              <a:rPr lang="en-US" altLang="zh-CN" dirty="0" smtClean="0"/>
-              <a:t>2</a:t>
-            </a:r>
-            <a:r>
-              <a:rPr lang="zh-CN" altLang="en-US" dirty="0" smtClean="0"/>
-              <a:t>个</a:t>
-            </a:r>
-            <a:r>
-              <a:rPr lang="en-US" altLang="zh-CN" dirty="0" smtClean="0"/>
-              <a:t>exe</a:t>
-            </a:r>
-            <a:r>
-              <a:rPr lang="zh-CN" altLang="en-US" dirty="0" smtClean="0"/>
-              <a:t>文件放到同一路径下即可运行</a:t>
-            </a:r>
             <a:endParaRPr lang="en-US" altLang="zh-CN" dirty="0" smtClean="0"/>
           </a:p>
           <a:p>
@@ -3723,10 +3629,11 @@
             <a:endParaRPr lang="en-US" altLang="zh-CN" dirty="0" smtClean="0"/>
           </a:p>
           <a:p>
-            <a:pPr marL="0" indent="0">
-              <a:buNone/>
-            </a:pPr>
-            <a:endParaRPr lang="en-US" altLang="zh-CN" dirty="0" smtClean="0"/>
+            <a:r>
+              <a:rPr lang="zh-CN" altLang="en-US" dirty="0" smtClean="0"/>
+              <a:t>核心组件</a:t>
+            </a:r>
+            <a:endParaRPr lang="en-US" altLang="zh-CN" dirty="0"/>
           </a:p>
           <a:p>
             <a:pPr marL="0" indent="0">
@@ -3768,7 +3675,7 @@
       </p:sp>
       <p:pic>
         <p:nvPicPr>
-          <p:cNvPr id="3" name="图片 2"/>
+          <p:cNvPr id="6" name="图片 5"/>
           <p:cNvPicPr>
             <a:picLocks noChangeAspect="1"/>
           </p:cNvPicPr>
@@ -3782,8 +3689,32 @@
         </p:blipFill>
         <p:spPr>
           <a:xfrm>
-            <a:off x="611560" y="4149080"/>
-            <a:ext cx="1898393" cy="576064"/>
+            <a:off x="584498" y="3306315"/>
+            <a:ext cx="819150" cy="771525"/>
+          </a:xfrm>
+          <a:prstGeom prst="rect">
+            <a:avLst/>
+          </a:prstGeom>
+        </p:spPr>
+      </p:pic>
+      <p:pic>
+        <p:nvPicPr>
+          <p:cNvPr id="7" name="图片 6"/>
+          <p:cNvPicPr>
+            <a:picLocks noChangeAspect="1"/>
+          </p:cNvPicPr>
+          <p:nvPr/>
+        </p:nvPicPr>
+        <p:blipFill>
+          <a:blip r:embed="rId3"/>
+          <a:stretch>
+            <a:fillRect/>
+          </a:stretch>
+        </p:blipFill>
+        <p:spPr>
+          <a:xfrm>
+            <a:off x="2267744" y="3548372"/>
+            <a:ext cx="1371600" cy="238125"/>
           </a:xfrm>
           <a:prstGeom prst="rect">
             <a:avLst/>
@@ -3877,12 +3808,17 @@
             </a:pPr>
             <a:r>
               <a:rPr lang="zh-CN" altLang="en-US" dirty="0" smtClean="0"/>
-              <a:t>双击</a:t>
-            </a:r>
-            <a:r>
-              <a:rPr lang="en-US" altLang="zh-CN" dirty="0" smtClean="0"/>
-              <a:t>TFSCodeCounter.exe</a:t>
-            </a:r>
+              <a:t>双击桌面快捷方式“</a:t>
+            </a:r>
+            <a:r>
+              <a:rPr lang="en-US" altLang="zh-CN" dirty="0" smtClean="0"/>
+              <a:t>TFS</a:t>
+            </a:r>
+            <a:r>
+              <a:rPr lang="zh-CN" altLang="en-US" dirty="0" smtClean="0"/>
+              <a:t>代码统计”</a:t>
+            </a:r>
+            <a:endParaRPr lang="en-US" altLang="zh-CN" dirty="0" smtClean="0"/>
           </a:p>
           <a:p>
             <a:pPr marL="457200" indent="-457200" fontAlgn="ctr">
@@ -4198,7 +4134,7 @@
       </p:sp>
       <p:pic>
         <p:nvPicPr>
-          <p:cNvPr id="6" name="图片 5"/>
+          <p:cNvPr id="5" name="图片 4"/>
           <p:cNvPicPr>
             <a:picLocks noChangeAspect="1"/>
           </p:cNvPicPr>
@@ -4212,8 +4148,8 @@
         </p:blipFill>
         <p:spPr>
           <a:xfrm>
-            <a:off x="1043608" y="2204864"/>
-            <a:ext cx="4468216" cy="2131318"/>
+            <a:off x="1063861" y="2204864"/>
+            <a:ext cx="4732275" cy="2257273"/>
           </a:xfrm>
           <a:prstGeom prst="rect">
             <a:avLst/>
@@ -4298,94 +4234,167 @@
         <p:spPr/>
         <p:txBody>
           <a:bodyPr>
-            <a:normAutofit/>
+            <a:normAutofit fontScale="70000" lnSpcReduction="20000"/>
           </a:bodyPr>
           <a:lstStyle/>
           <a:p>
+            <a:pPr marL="457200" indent="-457200" fontAlgn="ctr">
+              <a:buAutoNum type="arabicPeriod" startAt="8"/>
+            </a:pPr>
+            <a:r>
+              <a:rPr lang="zh-CN" altLang="en-US" dirty="0" smtClean="0"/>
+              <a:t>输出</a:t>
+            </a:r>
+            <a:r>
+              <a:rPr lang="zh-CN" altLang="en-US" dirty="0"/>
+              <a:t>区输出统计结果信息，如下图</a:t>
+            </a:r>
+            <a:r>
+              <a:rPr lang="zh-CN" altLang="en-US" dirty="0" smtClean="0"/>
+              <a:t>：</a:t>
+            </a:r>
+            <a:endParaRPr lang="en-US" altLang="zh-CN" dirty="0" smtClean="0"/>
+          </a:p>
+          <a:p>
+            <a:pPr marL="457200" indent="-457200" fontAlgn="ctr">
+              <a:buAutoNum type="arabicPeriod" startAt="8"/>
+            </a:pPr>
+            <a:endParaRPr lang="en-US" altLang="zh-CN" dirty="0"/>
+          </a:p>
+          <a:p>
+            <a:pPr marL="457200" indent="-457200" fontAlgn="ctr">
+              <a:buAutoNum type="arabicPeriod" startAt="8"/>
+            </a:pPr>
+            <a:endParaRPr lang="en-US" altLang="zh-CN" dirty="0" smtClean="0"/>
+          </a:p>
+          <a:p>
+            <a:pPr marL="457200" indent="-457200" fontAlgn="ctr">
+              <a:buAutoNum type="arabicPeriod" startAt="8"/>
+            </a:pPr>
+            <a:endParaRPr lang="en-US" altLang="zh-CN" dirty="0"/>
+          </a:p>
+          <a:p>
+            <a:pPr marL="457200" indent="-457200" fontAlgn="ctr">
+              <a:buAutoNum type="arabicPeriod" startAt="8"/>
+            </a:pPr>
+            <a:endParaRPr lang="en-US" altLang="zh-CN" dirty="0" smtClean="0"/>
+          </a:p>
+          <a:p>
+            <a:pPr marL="457200" indent="-457200" fontAlgn="ctr">
+              <a:buAutoNum type="arabicPeriod" startAt="8"/>
+            </a:pPr>
+            <a:endParaRPr lang="en-US" altLang="zh-CN" dirty="0"/>
+          </a:p>
+          <a:p>
+            <a:pPr marL="457200" indent="-457200" fontAlgn="ctr">
+              <a:buAutoNum type="arabicPeriod" startAt="8"/>
+            </a:pPr>
+            <a:endParaRPr lang="en-US" altLang="zh-CN" dirty="0" smtClean="0"/>
+          </a:p>
+          <a:p>
+            <a:pPr marL="457200" indent="-457200" fontAlgn="ctr">
+              <a:buAutoNum type="arabicPeriod" startAt="8"/>
+            </a:pPr>
+            <a:endParaRPr lang="en-US" altLang="zh-CN" dirty="0"/>
+          </a:p>
+          <a:p>
             <a:pPr marL="0" indent="0" fontAlgn="ctr">
               <a:buNone/>
             </a:pPr>
-            <a:r>
-              <a:rPr lang="en-US" altLang="zh-CN" dirty="0" smtClean="0"/>
-              <a:t>4.  </a:t>
-            </a:r>
-            <a:r>
-              <a:rPr lang="zh-CN" altLang="en-US" dirty="0" smtClean="0"/>
-              <a:t>弹出如下：</a:t>
-            </a:r>
             <a:endParaRPr lang="en-US" altLang="zh-CN" dirty="0" smtClean="0"/>
           </a:p>
           <a:p>
-            <a:pPr marL="457200" indent="-457200" fontAlgn="ctr">
-              <a:buAutoNum type="arabicPeriod"/>
+            <a:pPr marL="0" indent="0" fontAlgn="ctr">
+              <a:buNone/>
+            </a:pPr>
+            <a:endParaRPr lang="en-US" altLang="zh-CN" dirty="0" smtClean="0"/>
+          </a:p>
+          <a:p>
+            <a:pPr marL="0" indent="0" fontAlgn="ctr">
+              <a:buNone/>
             </a:pPr>
             <a:endParaRPr lang="en-US" altLang="zh-CN" dirty="0"/>
           </a:p>
           <a:p>
-            <a:pPr marL="457200" indent="-457200" fontAlgn="ctr">
-              <a:buAutoNum type="arabicPeriod"/>
+            <a:pPr marL="0" indent="0" fontAlgn="ctr">
+              <a:buNone/>
             </a:pPr>
             <a:endParaRPr lang="en-US" altLang="zh-CN" dirty="0" smtClean="0"/>
           </a:p>
           <a:p>
-            <a:pPr marL="457200" indent="-457200" fontAlgn="ctr">
-              <a:buAutoNum type="arabicPeriod"/>
+            <a:pPr marL="0" indent="0" fontAlgn="ctr">
+              <a:buNone/>
             </a:pPr>
             <a:endParaRPr lang="en-US" altLang="zh-CN" dirty="0"/>
           </a:p>
           <a:p>
-            <a:pPr marL="457200" indent="-457200" fontAlgn="ctr">
-              <a:buAutoNum type="arabicPeriod"/>
+            <a:pPr marL="0" indent="0" fontAlgn="ctr">
+              <a:buNone/>
             </a:pPr>
             <a:endParaRPr lang="en-US" altLang="zh-CN" dirty="0" smtClean="0"/>
           </a:p>
           <a:p>
-            <a:pPr marL="457200" indent="-457200" fontAlgn="ctr">
-              <a:buAutoNum type="arabicPeriod"/>
-            </a:pPr>
+            <a:pPr marL="0" indent="0" fontAlgn="ctr">
+              <a:buNone/>
+            </a:pPr>
+            <a:r>
+              <a:rPr lang="zh-CN" altLang="en-US" dirty="0" smtClean="0"/>
+              <a:t>参数</a:t>
+            </a:r>
+            <a:r>
+              <a:rPr lang="zh-CN" altLang="en-US" dirty="0" smtClean="0"/>
+              <a:t>说明：</a:t>
+            </a:r>
             <a:endParaRPr lang="en-US" altLang="zh-CN" dirty="0" smtClean="0"/>
           </a:p>
           <a:p>
-            <a:pPr marL="457200" indent="-457200" fontAlgn="ctr">
-              <a:buAutoNum type="arabicPeriod"/>
-            </a:pPr>
-            <a:endParaRPr lang="en-US" altLang="zh-CN" dirty="0" smtClean="0"/>
-          </a:p>
-          <a:p>
-            <a:pPr marL="457200" indent="-457200" fontAlgn="ctr">
-              <a:buAutoNum type="arabicPeriod" startAt="5"/>
-            </a:pPr>
-            <a:r>
-              <a:rPr lang="zh-CN" altLang="en-US" dirty="0" smtClean="0"/>
-              <a:t>检索区选择检索时间段，输入检索用户，点“检索”</a:t>
-            </a:r>
-            <a:endParaRPr lang="en-US" altLang="zh-CN" dirty="0" smtClean="0"/>
-          </a:p>
-          <a:p>
-            <a:pPr marL="457200" indent="-457200" fontAlgn="ctr">
-              <a:buAutoNum type="arabicPeriod" startAt="5"/>
-            </a:pPr>
-            <a:r>
-              <a:rPr lang="zh-CN" altLang="en-US" dirty="0" smtClean="0"/>
-              <a:t>变更集信息区输出变更集信息</a:t>
-            </a:r>
-            <a:endParaRPr lang="en-US" altLang="zh-CN" dirty="0" smtClean="0"/>
-          </a:p>
-          <a:p>
-            <a:pPr marL="457200" indent="-457200" fontAlgn="ctr">
-              <a:buAutoNum type="arabicPeriod" startAt="5"/>
-            </a:pPr>
-            <a:r>
-              <a:rPr lang="zh-CN" altLang="en-US" dirty="0" smtClean="0"/>
-              <a:t>选择要统计代码的变更集，点“统计”</a:t>
-            </a:r>
-            <a:endParaRPr lang="en-US" altLang="zh-CN" dirty="0" smtClean="0"/>
-          </a:p>
-          <a:p>
-            <a:pPr marL="457200" indent="-457200" fontAlgn="ctr">
-              <a:buAutoNum type="arabicPeriod" startAt="5"/>
-            </a:pPr>
-            <a:endParaRPr lang="en-US" altLang="zh-CN" dirty="0" smtClean="0"/>
+            <a:pPr marL="0" indent="0" fontAlgn="ctr">
+              <a:buNone/>
+            </a:pPr>
+            <a:r>
+              <a:rPr lang="en-US" altLang="zh-CN" dirty="0" smtClean="0"/>
+              <a:t>ADD </a:t>
+            </a:r>
+            <a:r>
+              <a:rPr lang="en-US" altLang="zh-CN" dirty="0"/>
+              <a:t>MOD DEL A&amp;M BLK CMT NBNC RATE </a:t>
+            </a:r>
+            <a:r>
+              <a:rPr lang="zh-CN" altLang="en-US" dirty="0"/>
+              <a:t>的 含义分别为：</a:t>
+            </a:r>
+          </a:p>
+          <a:p>
+            <a:pPr marL="0" indent="0" fontAlgn="ctr">
+              <a:buNone/>
+            </a:pPr>
+            <a:r>
+              <a:rPr lang="zh-CN" altLang="en-US" dirty="0"/>
+              <a:t>新增、修改、删除、新增</a:t>
+            </a:r>
+            <a:r>
+              <a:rPr lang="en-US" altLang="zh-CN" dirty="0"/>
+              <a:t>+</a:t>
+            </a:r>
+            <a:r>
+              <a:rPr lang="zh-CN" altLang="en-US" dirty="0"/>
+              <a:t>修改、空行、注释、非空非注释行、标准</a:t>
+            </a:r>
+            <a:r>
+              <a:rPr lang="en-US" altLang="zh-CN" dirty="0"/>
+              <a:t>C</a:t>
+            </a:r>
+            <a:r>
+              <a:rPr lang="zh-CN" altLang="en-US" dirty="0"/>
+              <a:t>折算率</a:t>
+            </a:r>
+            <a:endParaRPr lang="en-US" altLang="zh-CN" dirty="0"/>
+          </a:p>
+          <a:p>
+            <a:pPr marL="0" indent="0" fontAlgn="ctr">
+              <a:buNone/>
+            </a:pPr>
+            <a:endParaRPr lang="en-US" altLang="zh-CN" dirty="0"/>
           </a:p>
         </p:txBody>
       </p:sp>
@@ -4433,8 +4442,8 @@
         </p:blipFill>
         <p:spPr>
           <a:xfrm>
-            <a:off x="1043608" y="2204864"/>
-            <a:ext cx="5434620" cy="2592288"/>
+            <a:off x="1043608" y="2120721"/>
+            <a:ext cx="6912422" cy="3298503"/>
           </a:xfrm>
           <a:prstGeom prst="rect">
             <a:avLst/>
@@ -4444,7 +4453,7 @@
     </p:spTree>
     <p:extLst>
       <p:ext uri="{BB962C8B-B14F-4D97-AF65-F5344CB8AC3E}">
-        <p14:creationId xmlns:p14="http://schemas.microsoft.com/office/powerpoint/2010/main" val="434794830"/>
+        <p14:creationId xmlns:p14="http://schemas.microsoft.com/office/powerpoint/2010/main" val="2696254493"/>
       </p:ext>
     </p:extLst>
   </p:cSld>
@@ -4488,194 +4497,16 @@
             <p:ph type="title"/>
           </p:nvPr>
         </p:nvSpPr>
-        <p:spPr>
-          <a:xfrm>
-            <a:off x="467544" y="188640"/>
-            <a:ext cx="6120680" cy="936104"/>
-          </a:xfrm>
-        </p:spPr>
+        <p:spPr/>
         <p:txBody>
           <a:bodyPr/>
           <a:lstStyle/>
           <a:p>
             <a:r>
               <a:rPr lang="zh-CN" altLang="en-US" dirty="0" smtClean="0"/>
-              <a:t>如何使用</a:t>
+              <a:t>应用范围</a:t>
             </a:r>
             <a:endParaRPr lang="zh-CN" altLang="en-US" dirty="0"/>
-          </a:p>
-        </p:txBody>
-      </p:sp>
-      <p:sp>
-        <p:nvSpPr>
-          <p:cNvPr id="3" name="内容占位符 2"/>
-          <p:cNvSpPr>
-            <a:spLocks noGrp="1"/>
-          </p:cNvSpPr>
-          <p:nvPr>
-            <p:ph sz="half" idx="1"/>
-          </p:nvPr>
-        </p:nvSpPr>
-        <p:spPr/>
-        <p:txBody>
-          <a:bodyPr>
-            <a:normAutofit fontScale="70000" lnSpcReduction="20000"/>
-          </a:bodyPr>
-          <a:lstStyle/>
-          <a:p>
-            <a:pPr marL="457200" indent="-457200" fontAlgn="ctr">
-              <a:buAutoNum type="arabicPeriod" startAt="8"/>
-            </a:pPr>
-            <a:r>
-              <a:rPr lang="zh-CN" altLang="en-US" dirty="0" smtClean="0"/>
-              <a:t>输出</a:t>
-            </a:r>
-            <a:r>
-              <a:rPr lang="zh-CN" altLang="en-US" dirty="0"/>
-              <a:t>区输出统计结果信息，如下图</a:t>
-            </a:r>
-            <a:r>
-              <a:rPr lang="zh-CN" altLang="en-US" dirty="0" smtClean="0"/>
-              <a:t>：</a:t>
-            </a:r>
-            <a:endParaRPr lang="en-US" altLang="zh-CN" dirty="0" smtClean="0"/>
-          </a:p>
-          <a:p>
-            <a:pPr marL="457200" indent="-457200" fontAlgn="ctr">
-              <a:buAutoNum type="arabicPeriod" startAt="8"/>
-            </a:pPr>
-            <a:endParaRPr lang="en-US" altLang="zh-CN" dirty="0"/>
-          </a:p>
-          <a:p>
-            <a:pPr marL="457200" indent="-457200" fontAlgn="ctr">
-              <a:buAutoNum type="arabicPeriod" startAt="8"/>
-            </a:pPr>
-            <a:endParaRPr lang="en-US" altLang="zh-CN" dirty="0" smtClean="0"/>
-          </a:p>
-          <a:p>
-            <a:pPr marL="457200" indent="-457200" fontAlgn="ctr">
-              <a:buAutoNum type="arabicPeriod" startAt="8"/>
-            </a:pPr>
-            <a:endParaRPr lang="en-US" altLang="zh-CN" dirty="0"/>
-          </a:p>
-          <a:p>
-            <a:pPr marL="457200" indent="-457200" fontAlgn="ctr">
-              <a:buAutoNum type="arabicPeriod" startAt="8"/>
-            </a:pPr>
-            <a:endParaRPr lang="en-US" altLang="zh-CN" dirty="0" smtClean="0"/>
-          </a:p>
-          <a:p>
-            <a:pPr marL="457200" indent="-457200" fontAlgn="ctr">
-              <a:buAutoNum type="arabicPeriod" startAt="8"/>
-            </a:pPr>
-            <a:endParaRPr lang="en-US" altLang="zh-CN" dirty="0"/>
-          </a:p>
-          <a:p>
-            <a:pPr marL="457200" indent="-457200" fontAlgn="ctr">
-              <a:buAutoNum type="arabicPeriod" startAt="8"/>
-            </a:pPr>
-            <a:endParaRPr lang="en-US" altLang="zh-CN" dirty="0" smtClean="0"/>
-          </a:p>
-          <a:p>
-            <a:pPr marL="457200" indent="-457200" fontAlgn="ctr">
-              <a:buAutoNum type="arabicPeriod" startAt="8"/>
-            </a:pPr>
-            <a:endParaRPr lang="en-US" altLang="zh-CN" dirty="0"/>
-          </a:p>
-          <a:p>
-            <a:pPr marL="0" indent="0" fontAlgn="ctr">
-              <a:buNone/>
-            </a:pPr>
-            <a:endParaRPr lang="en-US" altLang="zh-CN" dirty="0" smtClean="0"/>
-          </a:p>
-          <a:p>
-            <a:pPr marL="0" indent="0" fontAlgn="ctr">
-              <a:buNone/>
-            </a:pPr>
-            <a:endParaRPr lang="en-US" altLang="zh-CN" dirty="0" smtClean="0"/>
-          </a:p>
-          <a:p>
-            <a:pPr marL="0" indent="0" fontAlgn="ctr">
-              <a:buNone/>
-            </a:pPr>
-            <a:endParaRPr lang="en-US" altLang="zh-CN" dirty="0"/>
-          </a:p>
-          <a:p>
-            <a:pPr marL="0" indent="0" fontAlgn="ctr">
-              <a:buNone/>
-            </a:pPr>
-            <a:endParaRPr lang="en-US" altLang="zh-CN" dirty="0" smtClean="0"/>
-          </a:p>
-          <a:p>
-            <a:pPr marL="0" indent="0" fontAlgn="ctr">
-              <a:buNone/>
-            </a:pPr>
-            <a:endParaRPr lang="en-US" altLang="zh-CN" dirty="0"/>
-          </a:p>
-          <a:p>
-            <a:pPr marL="0" indent="0" fontAlgn="ctr">
-              <a:buNone/>
-            </a:pPr>
-            <a:endParaRPr lang="en-US" altLang="zh-CN" dirty="0" smtClean="0"/>
-          </a:p>
-          <a:p>
-            <a:pPr marL="0" indent="0" fontAlgn="ctr">
-              <a:buNone/>
-            </a:pPr>
-            <a:r>
-              <a:rPr lang="zh-CN" altLang="en-US" dirty="0" smtClean="0"/>
-              <a:t>参数说明：</a:t>
-            </a:r>
-            <a:endParaRPr lang="en-US" altLang="zh-CN" dirty="0" smtClean="0"/>
-          </a:p>
-          <a:p>
-            <a:pPr marL="0" indent="0" fontAlgn="ctr">
-              <a:buNone/>
-            </a:pPr>
-            <a:r>
-              <a:rPr lang="en-US" altLang="zh-CN" dirty="0" smtClean="0"/>
-              <a:t>ADD </a:t>
-            </a:r>
-            <a:r>
-              <a:rPr lang="en-US" altLang="zh-CN" dirty="0"/>
-              <a:t>MOD DEL A&amp;M BLK CMT NBNC RATE </a:t>
-            </a:r>
-            <a:r>
-              <a:rPr lang="zh-CN" altLang="en-US" dirty="0"/>
-              <a:t>的 含义分别为：</a:t>
-            </a:r>
-          </a:p>
-          <a:p>
-            <a:pPr marL="0" indent="0" fontAlgn="ctr">
-              <a:buNone/>
-            </a:pPr>
-            <a:r>
-              <a:rPr lang="zh-CN" altLang="en-US" dirty="0"/>
-              <a:t>新增、修改、删除、新增</a:t>
-            </a:r>
-            <a:r>
-              <a:rPr lang="en-US" altLang="zh-CN" dirty="0"/>
-              <a:t>+</a:t>
-            </a:r>
-            <a:r>
-              <a:rPr lang="zh-CN" altLang="en-US" dirty="0"/>
-              <a:t>修改、空行、注释、非空非注释行、标准</a:t>
-            </a:r>
-            <a:r>
-              <a:rPr lang="en-US" altLang="zh-CN" dirty="0"/>
-              <a:t>C</a:t>
-            </a:r>
-            <a:r>
-              <a:rPr lang="zh-CN" altLang="en-US" dirty="0"/>
-              <a:t>折算率</a:t>
-            </a:r>
-            <a:endParaRPr lang="en-US" altLang="zh-CN" dirty="0"/>
-          </a:p>
-          <a:p>
-            <a:pPr marL="0" indent="0" fontAlgn="ctr">
-              <a:buNone/>
-            </a:pPr>
-            <a:endParaRPr lang="en-US" altLang="zh-CN" dirty="0"/>
           </a:p>
         </p:txBody>
       </p:sp>
@@ -4707,34 +4538,161 @@
           </a:p>
         </p:txBody>
       </p:sp>
-      <p:pic>
-        <p:nvPicPr>
-          <p:cNvPr id="5" name="图片 4"/>
-          <p:cNvPicPr>
-            <a:picLocks noChangeAspect="1"/>
-          </p:cNvPicPr>
-          <p:nvPr/>
-        </p:nvPicPr>
-        <p:blipFill>
-          <a:blip r:embed="rId2"/>
-          <a:stretch>
-            <a:fillRect/>
-          </a:stretch>
-        </p:blipFill>
+      <p:sp>
+        <p:nvSpPr>
+          <p:cNvPr id="6" name="内容占位符 5"/>
+          <p:cNvSpPr>
+            <a:spLocks noGrp="1"/>
+          </p:cNvSpPr>
+          <p:nvPr>
+            <p:ph sz="half" idx="1"/>
+          </p:nvPr>
+        </p:nvSpPr>
         <p:spPr>
           <a:xfrm>
-            <a:off x="1043608" y="2276872"/>
-            <a:ext cx="5472608" cy="2610408"/>
+            <a:off x="467544" y="1783357"/>
+            <a:ext cx="6984776" cy="4525963"/>
           </a:xfrm>
-          <a:prstGeom prst="rect">
-            <a:avLst/>
-          </a:prstGeom>
         </p:spPr>
-      </p:pic>
+        <p:txBody>
+          <a:bodyPr>
+            <a:normAutofit/>
+          </a:bodyPr>
+          <a:lstStyle/>
+          <a:p>
+            <a:pPr marL="457200" indent="-457200">
+              <a:buAutoNum type="arabicPeriod"/>
+            </a:pPr>
+            <a:r>
+              <a:rPr lang="zh-CN" altLang="en-US" sz="2000" dirty="0" smtClean="0"/>
+              <a:t>只用于</a:t>
+            </a:r>
+            <a:r>
+              <a:rPr lang="en-US" altLang="zh-CN" sz="2000" dirty="0" smtClean="0"/>
+              <a:t>TFS</a:t>
+            </a:r>
+            <a:r>
+              <a:rPr lang="zh-CN" altLang="en-US" sz="2000" dirty="0" smtClean="0"/>
+              <a:t>管理的项目</a:t>
+            </a:r>
+            <a:endParaRPr lang="en-US" altLang="zh-CN" sz="2000" dirty="0" smtClean="0"/>
+          </a:p>
+          <a:p>
+            <a:pPr marL="0" indent="0">
+              <a:buNone/>
+            </a:pPr>
+            <a:r>
+              <a:rPr lang="zh-CN" altLang="en-US" sz="2000" dirty="0" smtClean="0"/>
+              <a:t>只要是使用</a:t>
+            </a:r>
+            <a:r>
+              <a:rPr lang="en-US" altLang="zh-CN" sz="2000" dirty="0" smtClean="0"/>
+              <a:t>TFS</a:t>
+            </a:r>
+            <a:r>
+              <a:rPr lang="zh-CN" altLang="en-US" sz="2000" dirty="0" smtClean="0"/>
+              <a:t>管理的，都可以下载它的前后版本</a:t>
+            </a:r>
+            <a:endParaRPr lang="en-US" altLang="zh-CN" sz="2000" dirty="0" smtClean="0"/>
+          </a:p>
+          <a:p>
+            <a:pPr marL="0" indent="0">
+              <a:buNone/>
+            </a:pPr>
+            <a:endParaRPr lang="en-US" altLang="zh-CN" sz="2000" dirty="0"/>
+          </a:p>
+          <a:p>
+            <a:pPr marL="0" indent="0">
+              <a:buNone/>
+            </a:pPr>
+            <a:endParaRPr lang="en-US" altLang="zh-CN" sz="2000" dirty="0" smtClean="0"/>
+          </a:p>
+          <a:p>
+            <a:pPr marL="457200" indent="-457200">
+              <a:buAutoNum type="arabicPeriod" startAt="2"/>
+            </a:pPr>
+            <a:r>
+              <a:rPr lang="zh-CN" altLang="en-US" sz="2000" dirty="0"/>
+              <a:t>主要</a:t>
+            </a:r>
+            <a:r>
+              <a:rPr lang="zh-CN" altLang="en-US" sz="2000" dirty="0" smtClean="0"/>
+              <a:t>用于代码统计</a:t>
+            </a:r>
+            <a:endParaRPr lang="en-US" altLang="zh-CN" sz="2000" dirty="0" smtClean="0"/>
+          </a:p>
+          <a:p>
+            <a:pPr marL="0" indent="0">
+              <a:buNone/>
+            </a:pPr>
+            <a:r>
+              <a:rPr lang="zh-CN" altLang="en-US" sz="2000" dirty="0" smtClean="0"/>
+              <a:t>理论上，只要是文本文件类型的，都可以进行统计</a:t>
+            </a:r>
+            <a:endParaRPr lang="en-US" altLang="zh-CN" sz="2000" dirty="0" smtClean="0"/>
+          </a:p>
+          <a:p>
+            <a:pPr marL="0" indent="0">
+              <a:buNone/>
+            </a:pPr>
+            <a:r>
+              <a:rPr lang="zh-CN" altLang="en-US" sz="2000" dirty="0" smtClean="0"/>
+              <a:t>其它，如二进制文件、</a:t>
+            </a:r>
+            <a:r>
+              <a:rPr lang="en-US" altLang="zh-CN" sz="2000" dirty="0" smtClean="0"/>
+              <a:t>word</a:t>
+            </a:r>
+            <a:r>
+              <a:rPr lang="zh-CN" altLang="en-US" sz="2000" dirty="0" smtClean="0"/>
+              <a:t>、</a:t>
+            </a:r>
+            <a:r>
+              <a:rPr lang="en-US" altLang="zh-CN" sz="2000" dirty="0" smtClean="0"/>
+              <a:t>excel</a:t>
+            </a:r>
+            <a:r>
+              <a:rPr lang="zh-CN" altLang="en-US" sz="2000" dirty="0" smtClean="0"/>
+              <a:t>等文件不支持</a:t>
+            </a:r>
+            <a:r>
+              <a:rPr lang="zh-CN" altLang="en-US" sz="2000" dirty="0" smtClean="0"/>
+              <a:t>统计</a:t>
+            </a:r>
+            <a:endParaRPr lang="en-US" altLang="zh-CN" sz="2000" dirty="0" smtClean="0"/>
+          </a:p>
+          <a:p>
+            <a:pPr marL="0" indent="0">
+              <a:buNone/>
+            </a:pPr>
+            <a:endParaRPr lang="en-US" altLang="zh-CN" sz="2000" dirty="0"/>
+          </a:p>
+          <a:p>
+            <a:pPr marL="457200" indent="-457200">
+              <a:buAutoNum type="arabicPeriod" startAt="3"/>
+            </a:pPr>
+            <a:r>
+              <a:rPr lang="zh-CN" altLang="en-US" sz="2000" dirty="0" smtClean="0"/>
+              <a:t>查询指定用户代码提交记录</a:t>
+            </a:r>
+            <a:endParaRPr lang="en-US" altLang="zh-CN" sz="2000" dirty="0" smtClean="0"/>
+          </a:p>
+          <a:p>
+            <a:pPr marL="0" indent="0">
+              <a:buNone/>
+            </a:pPr>
+            <a:r>
+              <a:rPr lang="zh-CN" altLang="en-US" sz="2000" dirty="0" smtClean="0"/>
+              <a:t>辅助代码审查时，查询指定用户的代码提交记录，保证没遗漏</a:t>
+            </a:r>
+            <a:endParaRPr lang="zh-CN" altLang="en-US" sz="2000" dirty="0"/>
+          </a:p>
+        </p:txBody>
+      </p:sp>
     </p:spTree>
     <p:extLst>
       <p:ext uri="{BB962C8B-B14F-4D97-AF65-F5344CB8AC3E}">
-        <p14:creationId xmlns:p14="http://schemas.microsoft.com/office/powerpoint/2010/main" val="2696254493"/>
+        <p14:creationId xmlns:p14="http://schemas.microsoft.com/office/powerpoint/2010/main" val="1371572143"/>
       </p:ext>
     </p:extLst>
   </p:cSld>
@@ -4785,7 +4743,7 @@
           <a:p>
             <a:r>
               <a:rPr lang="zh-CN" altLang="en-US" dirty="0" smtClean="0"/>
-              <a:t>应用范围</a:t>
+              <a:t>注意事项</a:t>
             </a:r>
             <a:endParaRPr lang="zh-CN" altLang="en-US" dirty="0"/>
           </a:p>
@@ -4846,104 +4804,112 @@
             </a:pPr>
             <a:r>
               <a:rPr lang="zh-CN" altLang="en-US" sz="2000" dirty="0" smtClean="0"/>
-              <a:t>只用于</a:t>
+              <a:t>服务器</a:t>
+            </a:r>
+            <a:r>
+              <a:rPr lang="zh-CN" altLang="en-US" sz="2000" dirty="0"/>
+              <a:t>连接</a:t>
             </a:r>
             <a:r>
               <a:rPr lang="en-US" altLang="zh-CN" sz="2000" dirty="0" smtClean="0"/>
-              <a:t>TFS</a:t>
+              <a:t>tfs02</a:t>
+            </a:r>
+          </a:p>
+          <a:p>
+            <a:pPr marL="457200" indent="-457200">
+              <a:buFont typeface="Arial" panose="020B0604020202020204" pitchFamily="34" charset="0"/>
+              <a:buAutoNum type="arabicPeriod"/>
+            </a:pPr>
+            <a:endParaRPr lang="en-US" altLang="zh-CN" sz="2000" dirty="0" smtClean="0"/>
+          </a:p>
+          <a:p>
+            <a:pPr marL="457200" indent="-457200">
+              <a:buFont typeface="Arial" panose="020B0604020202020204" pitchFamily="34" charset="0"/>
+              <a:buAutoNum type="arabicPeriod"/>
+            </a:pPr>
+            <a:endParaRPr lang="en-US" altLang="zh-CN" sz="2000" dirty="0"/>
+          </a:p>
+          <a:p>
+            <a:pPr marL="457200" indent="-457200">
+              <a:buFont typeface="Arial" panose="020B0604020202020204" pitchFamily="34" charset="0"/>
+              <a:buAutoNum type="arabicPeriod"/>
+            </a:pPr>
+            <a:endParaRPr lang="en-US" altLang="zh-CN" sz="2000" dirty="0" smtClean="0"/>
+          </a:p>
+          <a:p>
+            <a:pPr marL="457200" indent="-457200">
+              <a:buFont typeface="Arial" panose="020B0604020202020204" pitchFamily="34" charset="0"/>
+              <a:buAutoNum type="arabicPeriod"/>
+            </a:pPr>
+            <a:endParaRPr lang="en-US" altLang="zh-CN" sz="2000" dirty="0"/>
+          </a:p>
+          <a:p>
+            <a:pPr marL="457200" indent="-457200">
+              <a:buFont typeface="Arial" panose="020B0604020202020204" pitchFamily="34" charset="0"/>
+              <a:buAutoNum type="arabicPeriod"/>
+            </a:pPr>
+            <a:endParaRPr lang="en-US" altLang="zh-CN" sz="2000" dirty="0" smtClean="0"/>
+          </a:p>
+          <a:p>
+            <a:pPr marL="457200" indent="-457200">
+              <a:buFont typeface="Arial" panose="020B0604020202020204" pitchFamily="34" charset="0"/>
+              <a:buAutoNum type="arabicPeriod"/>
+            </a:pPr>
+            <a:endParaRPr lang="en-US" altLang="zh-CN" sz="2000" dirty="0"/>
+          </a:p>
+          <a:p>
+            <a:pPr marL="457200" indent="-457200">
+              <a:buFont typeface="Arial" panose="020B0604020202020204" pitchFamily="34" charset="0"/>
+              <a:buAutoNum type="arabicPeriod"/>
+            </a:pPr>
+            <a:r>
+              <a:rPr lang="zh-CN" altLang="en-US" sz="2000" dirty="0"/>
+              <a:t>统计</a:t>
             </a:r>
             <a:r>
               <a:rPr lang="zh-CN" altLang="en-US" sz="2000" dirty="0" smtClean="0"/>
-              <a:t>管理的项目</a:t>
-            </a:r>
-            <a:endParaRPr lang="en-US" altLang="zh-CN" sz="2000" dirty="0" smtClean="0"/>
-          </a:p>
-          <a:p>
-            <a:pPr marL="0" indent="0">
-              <a:buNone/>
-            </a:pPr>
+              <a:t>的</a:t>
+            </a:r>
+            <a:r>
+              <a:rPr lang="zh-CN" altLang="en-US" sz="2000" dirty="0"/>
+              <a:t>代码是基于自己的</a:t>
+            </a:r>
             <a:r>
               <a:rPr lang="zh-CN" altLang="en-US" sz="2000" dirty="0" smtClean="0"/>
-              <a:t>只要是使用</a:t>
-            </a:r>
-            <a:r>
-              <a:rPr lang="en-US" altLang="zh-CN" sz="2000" dirty="0" smtClean="0"/>
-              <a:t>TFS</a:t>
-            </a:r>
-            <a:r>
-              <a:rPr lang="zh-CN" altLang="en-US" sz="2000" dirty="0" smtClean="0"/>
-              <a:t>管理的，都可以下载它的前后版本</a:t>
-            </a:r>
-            <a:endParaRPr lang="en-US" altLang="zh-CN" sz="2000" dirty="0" smtClean="0"/>
-          </a:p>
-          <a:p>
-            <a:pPr marL="0" indent="0">
-              <a:buNone/>
-            </a:pPr>
-            <a:endParaRPr lang="en-US" altLang="zh-CN" sz="2000" dirty="0"/>
-          </a:p>
-          <a:p>
-            <a:pPr marL="0" indent="0">
-              <a:buNone/>
-            </a:pPr>
-            <a:endParaRPr lang="en-US" altLang="zh-CN" sz="2000" dirty="0" smtClean="0"/>
-          </a:p>
-          <a:p>
-            <a:pPr marL="457200" indent="-457200">
-              <a:buAutoNum type="arabicPeriod" startAt="2"/>
-            </a:pPr>
-            <a:r>
-              <a:rPr lang="zh-CN" altLang="en-US" sz="2000" dirty="0"/>
-              <a:t>主要</a:t>
-            </a:r>
-            <a:r>
-              <a:rPr lang="zh-CN" altLang="en-US" sz="2000" dirty="0" smtClean="0"/>
-              <a:t>用于代码统计</a:t>
-            </a:r>
-            <a:endParaRPr lang="en-US" altLang="zh-CN" sz="2000" dirty="0" smtClean="0"/>
-          </a:p>
-          <a:p>
-            <a:pPr marL="0" indent="0">
-              <a:buNone/>
-            </a:pPr>
-            <a:r>
-              <a:rPr lang="zh-CN" altLang="en-US" sz="2000" dirty="0" smtClean="0"/>
-              <a:t>理论上，只要是文本文件类型的，都可以进行统计</a:t>
-            </a:r>
-            <a:endParaRPr lang="en-US" altLang="zh-CN" sz="2000" dirty="0" smtClean="0"/>
-          </a:p>
-          <a:p>
-            <a:pPr marL="0" indent="0">
-              <a:buNone/>
-            </a:pPr>
-            <a:r>
-              <a:rPr lang="zh-CN" altLang="en-US" sz="2000" dirty="0" smtClean="0"/>
-              <a:t>其它，如二进制文件、</a:t>
-            </a:r>
-            <a:r>
-              <a:rPr lang="en-US" altLang="zh-CN" sz="2000" dirty="0" smtClean="0"/>
-              <a:t>word</a:t>
-            </a:r>
-            <a:r>
-              <a:rPr lang="zh-CN" altLang="en-US" sz="2000" dirty="0" smtClean="0"/>
-              <a:t>、</a:t>
-            </a:r>
-            <a:r>
-              <a:rPr lang="en-US" altLang="zh-CN" sz="2000" dirty="0" smtClean="0"/>
-              <a:t>excel</a:t>
-            </a:r>
-            <a:r>
-              <a:rPr lang="zh-CN" altLang="en-US" sz="2000" dirty="0" smtClean="0"/>
-              <a:t>等文件不支持统计</a:t>
+              <a:t>权限的</a:t>
             </a:r>
             <a:endParaRPr lang="zh-CN" altLang="en-US" sz="2000" dirty="0"/>
           </a:p>
         </p:txBody>
       </p:sp>
+      <p:pic>
+        <p:nvPicPr>
+          <p:cNvPr id="3" name="图片 2"/>
+          <p:cNvPicPr>
+            <a:picLocks noChangeAspect="1"/>
+          </p:cNvPicPr>
+          <p:nvPr/>
+        </p:nvPicPr>
+        <p:blipFill>
+          <a:blip r:embed="rId2"/>
+          <a:stretch>
+            <a:fillRect/>
+          </a:stretch>
+        </p:blipFill>
+        <p:spPr>
+          <a:xfrm>
+            <a:off x="971600" y="2276872"/>
+            <a:ext cx="6734175" cy="1962150"/>
+          </a:xfrm>
+          <a:prstGeom prst="rect">
+            <a:avLst/>
+          </a:prstGeom>
+        </p:spPr>
+      </p:pic>
     </p:spTree>
     <p:extLst>
       <p:ext uri="{BB962C8B-B14F-4D97-AF65-F5344CB8AC3E}">
-        <p14:creationId xmlns:p14="http://schemas.microsoft.com/office/powerpoint/2010/main" val="1371572143"/>
+        <p14:creationId xmlns:p14="http://schemas.microsoft.com/office/powerpoint/2010/main" val="389219448"/>
       </p:ext>
     </p:extLst>
   </p:cSld>
@@ -4994,7 +4960,7 @@
           <a:p>
             <a:r>
               <a:rPr lang="zh-CN" altLang="en-US" dirty="0" smtClean="0"/>
-              <a:t>注意事项</a:t>
+              <a:t>几个错误提示</a:t>
             </a:r>
             <a:endParaRPr lang="zh-CN" altLang="en-US" dirty="0"/>
           </a:p>
@@ -5023,223 +4989,6 @@
               <a:rPr lang="zh-CN" altLang="en-US" smtClean="0"/>
               <a:pPr/>
               <a:t>7</a:t>
-            </a:fld>
-            <a:endParaRPr lang="en-US" altLang="zh-CN" dirty="0" smtClean="0"/>
-          </a:p>
-        </p:txBody>
-      </p:sp>
-      <p:sp>
-        <p:nvSpPr>
-          <p:cNvPr id="6" name="内容占位符 5"/>
-          <p:cNvSpPr>
-            <a:spLocks noGrp="1"/>
-          </p:cNvSpPr>
-          <p:nvPr>
-            <p:ph sz="half" idx="1"/>
-          </p:nvPr>
-        </p:nvSpPr>
-        <p:spPr>
-          <a:xfrm>
-            <a:off x="467544" y="1783357"/>
-            <a:ext cx="6984776" cy="4525963"/>
-          </a:xfrm>
-        </p:spPr>
-        <p:txBody>
-          <a:bodyPr>
-            <a:normAutofit/>
-          </a:bodyPr>
-          <a:lstStyle/>
-          <a:p>
-            <a:pPr marL="457200" indent="-457200">
-              <a:buAutoNum type="arabicPeriod"/>
-            </a:pPr>
-            <a:r>
-              <a:rPr lang="zh-CN" altLang="en-US" sz="2000" dirty="0" smtClean="0"/>
-              <a:t>服务器</a:t>
-            </a:r>
-            <a:r>
-              <a:rPr lang="zh-CN" altLang="en-US" sz="2000" dirty="0"/>
-              <a:t>连接</a:t>
-            </a:r>
-            <a:r>
-              <a:rPr lang="en-US" altLang="zh-CN" sz="2000" dirty="0" smtClean="0"/>
-              <a:t>tfs02</a:t>
-            </a:r>
-          </a:p>
-          <a:p>
-            <a:pPr marL="457200" indent="-457200">
-              <a:buFont typeface="Arial" panose="020B0604020202020204" pitchFamily="34" charset="0"/>
-              <a:buAutoNum type="arabicPeriod"/>
-            </a:pPr>
-            <a:endParaRPr lang="en-US" altLang="zh-CN" sz="2000" dirty="0" smtClean="0"/>
-          </a:p>
-          <a:p>
-            <a:pPr marL="457200" indent="-457200">
-              <a:buFont typeface="Arial" panose="020B0604020202020204" pitchFamily="34" charset="0"/>
-              <a:buAutoNum type="arabicPeriod"/>
-            </a:pPr>
-            <a:endParaRPr lang="en-US" altLang="zh-CN" sz="2000" dirty="0"/>
-          </a:p>
-          <a:p>
-            <a:pPr marL="457200" indent="-457200">
-              <a:buFont typeface="Arial" panose="020B0604020202020204" pitchFamily="34" charset="0"/>
-              <a:buAutoNum type="arabicPeriod"/>
-            </a:pPr>
-            <a:endParaRPr lang="en-US" altLang="zh-CN" sz="2000" dirty="0" smtClean="0"/>
-          </a:p>
-          <a:p>
-            <a:pPr marL="457200" indent="-457200">
-              <a:buFont typeface="Arial" panose="020B0604020202020204" pitchFamily="34" charset="0"/>
-              <a:buAutoNum type="arabicPeriod"/>
-            </a:pPr>
-            <a:endParaRPr lang="en-US" altLang="zh-CN" sz="2000" dirty="0"/>
-          </a:p>
-          <a:p>
-            <a:pPr marL="457200" indent="-457200">
-              <a:buFont typeface="Arial" panose="020B0604020202020204" pitchFamily="34" charset="0"/>
-              <a:buAutoNum type="arabicPeriod"/>
-            </a:pPr>
-            <a:endParaRPr lang="en-US" altLang="zh-CN" sz="2000" dirty="0" smtClean="0"/>
-          </a:p>
-          <a:p>
-            <a:pPr marL="457200" indent="-457200">
-              <a:buFont typeface="Arial" panose="020B0604020202020204" pitchFamily="34" charset="0"/>
-              <a:buAutoNum type="arabicPeriod"/>
-            </a:pPr>
-            <a:endParaRPr lang="en-US" altLang="zh-CN" sz="2000" dirty="0"/>
-          </a:p>
-          <a:p>
-            <a:pPr marL="457200" indent="-457200">
-              <a:buFont typeface="Arial" panose="020B0604020202020204" pitchFamily="34" charset="0"/>
-              <a:buAutoNum type="arabicPeriod"/>
-            </a:pPr>
-            <a:r>
-              <a:rPr lang="zh-CN" altLang="en-US" sz="2000" dirty="0"/>
-              <a:t>统计</a:t>
-            </a:r>
-            <a:r>
-              <a:rPr lang="zh-CN" altLang="en-US" sz="2000" dirty="0" smtClean="0"/>
-              <a:t>的</a:t>
-            </a:r>
-            <a:r>
-              <a:rPr lang="zh-CN" altLang="en-US" sz="2000" dirty="0"/>
-              <a:t>代码是基于自己的</a:t>
-            </a:r>
-            <a:r>
-              <a:rPr lang="zh-CN" altLang="en-US" sz="2000" dirty="0" smtClean="0"/>
-              <a:t>权限的</a:t>
-            </a:r>
-            <a:endParaRPr lang="zh-CN" altLang="en-US" sz="2000" dirty="0"/>
-          </a:p>
-        </p:txBody>
-      </p:sp>
-      <p:pic>
-        <p:nvPicPr>
-          <p:cNvPr id="3" name="图片 2"/>
-          <p:cNvPicPr>
-            <a:picLocks noChangeAspect="1"/>
-          </p:cNvPicPr>
-          <p:nvPr/>
-        </p:nvPicPr>
-        <p:blipFill>
-          <a:blip r:embed="rId2"/>
-          <a:stretch>
-            <a:fillRect/>
-          </a:stretch>
-        </p:blipFill>
-        <p:spPr>
-          <a:xfrm>
-            <a:off x="971600" y="2276872"/>
-            <a:ext cx="6734175" cy="1962150"/>
-          </a:xfrm>
-          <a:prstGeom prst="rect">
-            <a:avLst/>
-          </a:prstGeom>
-        </p:spPr>
-      </p:pic>
-    </p:spTree>
-    <p:extLst>
-      <p:ext uri="{BB962C8B-B14F-4D97-AF65-F5344CB8AC3E}">
-        <p14:creationId xmlns:p14="http://schemas.microsoft.com/office/powerpoint/2010/main" val="389219448"/>
-      </p:ext>
-    </p:extLst>
-  </p:cSld>
-  <p:clrMapOvr>
-    <a:masterClrMapping/>
-  </p:clrMapOvr>
-  <p:timing>
-    <p:tnLst>
-      <p:par>
-        <p:cTn id="1" dur="indefinite" restart="never" nodeType="tmRoot"/>
-      </p:par>
-    </p:tnLst>
-  </p:timing>
-</p:sld>
-</file>
-
-<file path=ppt/slides/slide9.xml><?xml version="1.0" encoding="utf-8"?>
-<p:sld xmlns:a="http://schemas.openxmlformats.org/drawingml/2006/main" xmlns:r="http://schemas.openxmlformats.org/officeDocument/2006/relationships" xmlns:p="http://schemas.openxmlformats.org/presentationml/2006/main">
-  <p:cSld>
-    <p:spTree>
-      <p:nvGrpSpPr>
-        <p:cNvPr id="1" name=""/>
-        <p:cNvGrpSpPr/>
-        <p:nvPr/>
-      </p:nvGrpSpPr>
-      <p:grpSpPr>
-        <a:xfrm>
-          <a:off x="0" y="0"/>
-          <a:ext cx="0" cy="0"/>
-          <a:chOff x="0" y="0"/>
-          <a:chExt cx="0" cy="0"/>
-        </a:xfrm>
-      </p:grpSpPr>
-      <p:sp>
-        <p:nvSpPr>
-          <p:cNvPr id="2" name="标题 1"/>
-          <p:cNvSpPr>
-            <a:spLocks noGrp="1"/>
-          </p:cNvSpPr>
-          <p:nvPr>
-            <p:ph type="title"/>
-          </p:nvPr>
-        </p:nvSpPr>
-        <p:spPr/>
-        <p:txBody>
-          <a:bodyPr/>
-          <a:lstStyle/>
-          <a:p>
-            <a:r>
-              <a:rPr lang="zh-CN" altLang="en-US" dirty="0" smtClean="0"/>
-              <a:t>几个错误提示</a:t>
-            </a:r>
-            <a:endParaRPr lang="zh-CN" altLang="en-US" dirty="0"/>
-          </a:p>
-        </p:txBody>
-      </p:sp>
-      <p:sp>
-        <p:nvSpPr>
-          <p:cNvPr id="4" name="页脚占位符 3"/>
-          <p:cNvSpPr>
-            <a:spLocks noGrp="1"/>
-          </p:cNvSpPr>
-          <p:nvPr>
-            <p:ph type="ftr" sz="quarter" idx="3"/>
-          </p:nvPr>
-        </p:nvSpPr>
-        <p:spPr/>
-        <p:txBody>
-          <a:bodyPr/>
-          <a:lstStyle/>
-          <a:p>
-            <a:r>
-              <a:rPr lang="en-US" altLang="zh-CN" smtClean="0"/>
-              <a:t>© 2017 HollySys Group. All rights reserved.                                                                                                                                                                                                                                                   </a:t>
-            </a:r>
-            <a:fld id="{AA17893D-CC08-438D-96AE-6183B873D2F3}" type="slidenum">
-              <a:rPr lang="zh-CN" altLang="en-US" smtClean="0"/>
-              <a:pPr/>
-              <a:t>8</a:t>
             </a:fld>
             <a:endParaRPr lang="en-US" altLang="zh-CN" dirty="0" smtClean="0"/>
           </a:p>
@@ -5382,6 +5131,82 @@
     <p:extLst>
       <p:ext uri="{BB962C8B-B14F-4D97-AF65-F5344CB8AC3E}">
         <p14:creationId xmlns:p14="http://schemas.microsoft.com/office/powerpoint/2010/main" val="3589894992"/>
+      </p:ext>
+    </p:extLst>
+  </p:cSld>
+  <p:clrMapOvr>
+    <a:masterClrMapping/>
+  </p:clrMapOvr>
+  <p:timing>
+    <p:tnLst>
+      <p:par>
+        <p:cTn id="1" dur="indefinite" restart="never" nodeType="tmRoot"/>
+      </p:par>
+    </p:tnLst>
+  </p:timing>
+</p:sld>
+</file>
+
+<file path=ppt/slides/slide9.xml><?xml version="1.0" encoding="utf-8"?>
+<p:sld xmlns:a="http://schemas.openxmlformats.org/drawingml/2006/main" xmlns:r="http://schemas.openxmlformats.org/officeDocument/2006/relationships" xmlns:p="http://schemas.openxmlformats.org/presentationml/2006/main">
+  <p:cSld>
+    <p:spTree>
+      <p:nvGrpSpPr>
+        <p:cNvPr id="1" name=""/>
+        <p:cNvGrpSpPr/>
+        <p:nvPr/>
+      </p:nvGrpSpPr>
+      <p:grpSpPr>
+        <a:xfrm>
+          <a:off x="0" y="0"/>
+          <a:ext cx="0" cy="0"/>
+          <a:chOff x="0" y="0"/>
+          <a:chExt cx="0" cy="0"/>
+        </a:xfrm>
+      </p:grpSpPr>
+      <p:sp>
+        <p:nvSpPr>
+          <p:cNvPr id="2" name="标题 1"/>
+          <p:cNvSpPr>
+            <a:spLocks noGrp="1"/>
+          </p:cNvSpPr>
+          <p:nvPr>
+            <p:ph type="title"/>
+          </p:nvPr>
+        </p:nvSpPr>
+        <p:spPr>
+          <a:xfrm>
+            <a:off x="1043608" y="2780928"/>
+            <a:ext cx="7200800" cy="1656184"/>
+          </a:xfrm>
+        </p:spPr>
+        <p:txBody>
+          <a:bodyPr/>
+          <a:lstStyle/>
+          <a:p>
+            <a:r>
+              <a:rPr lang="zh-CN" altLang="en-US" sz="2400" dirty="0"/>
+              <a:t>用自动化改进人们的工作、生活和环境</a:t>
+            </a:r>
+            <a:r>
+              <a:rPr lang="en-US" altLang="zh-CN" sz="2400" dirty="0"/>
+              <a:t/>
+            </a:r>
+            <a:br>
+              <a:rPr lang="en-US" altLang="zh-CN" sz="2400" dirty="0"/>
+            </a:br>
+            <a:r>
+              <a:rPr lang="en-US" altLang="zh-CN" sz="2400" dirty="0"/>
+              <a:t>Automation for Better Life</a:t>
+            </a:r>
+            <a:endParaRPr lang="zh-CN" altLang="en-US" sz="2400" dirty="0"/>
+          </a:p>
+        </p:txBody>
+      </p:sp>
+    </p:spTree>
+    <p:extLst>
+      <p:ext uri="{BB962C8B-B14F-4D97-AF65-F5344CB8AC3E}">
+        <p14:creationId xmlns:p14="http://schemas.microsoft.com/office/powerpoint/2010/main" val="2055349500"/>
       </p:ext>
     </p:extLst>
   </p:cSld>
